--- a/チーム近未来/ワンシート(3Dチーム制作).pptx
+++ b/チーム近未来/ワンシート(3Dチーム制作).pptx
@@ -104,6 +104,11 @@
       </a:defRPr>
     </a:lvl9pPr>
   </p:defaultTextStyle>
+  <p:extLst>
+    <p:ext uri="{EFAFB233-063F-42B5-8137-9DF3F51BA10A}">
+      <p15:sldGuideLst xmlns:p15="http://schemas.microsoft.com/office/powerpoint/2012/main"/>
+    </p:ext>
+  </p:extLst>
 </p:presentation>
 </file>
 
@@ -3353,7 +3358,7 @@
         </p:nvSpPr>
         <p:spPr>
           <a:xfrm>
-            <a:off x="554182" y="1866357"/>
+            <a:off x="317962" y="1869012"/>
             <a:ext cx="4221480" cy="461665"/>
           </a:xfrm>
           <a:prstGeom prst="rect">
@@ -3391,7 +3396,7 @@
         </p:nvSpPr>
         <p:spPr>
           <a:xfrm>
-            <a:off x="554182" y="1296971"/>
+            <a:off x="317962" y="1299626"/>
             <a:ext cx="4770120" cy="800219"/>
           </a:xfrm>
           <a:prstGeom prst="rect">
@@ -3500,7 +3505,7 @@
         </p:nvSpPr>
         <p:spPr>
           <a:xfrm>
-            <a:off x="554182" y="841704"/>
+            <a:off x="317962" y="844359"/>
             <a:ext cx="4221480" cy="461665"/>
           </a:xfrm>
           <a:prstGeom prst="rect">
@@ -3538,7 +3543,7 @@
         </p:nvSpPr>
         <p:spPr>
           <a:xfrm>
-            <a:off x="554182" y="2349156"/>
+            <a:off x="317962" y="2351811"/>
             <a:ext cx="4770120" cy="523220"/>
           </a:xfrm>
           <a:prstGeom prst="rect">
@@ -3592,7 +3597,7 @@
         </p:nvSpPr>
         <p:spPr>
           <a:xfrm>
-            <a:off x="554182" y="2893510"/>
+            <a:off x="317962" y="2896165"/>
             <a:ext cx="4221480" cy="461665"/>
           </a:xfrm>
           <a:prstGeom prst="rect">
@@ -3630,7 +3635,7 @@
         </p:nvSpPr>
         <p:spPr>
           <a:xfrm>
-            <a:off x="554182" y="3376309"/>
+            <a:off x="317962" y="3378964"/>
             <a:ext cx="6217920" cy="954107"/>
           </a:xfrm>
           <a:prstGeom prst="rect">
@@ -3697,7 +3702,7 @@
         </p:nvSpPr>
         <p:spPr>
           <a:xfrm>
-            <a:off x="554182" y="4722844"/>
+            <a:off x="317962" y="4725499"/>
             <a:ext cx="6050280" cy="2246769"/>
           </a:xfrm>
           <a:prstGeom prst="rect">
@@ -3799,7 +3804,7 @@
         </p:nvSpPr>
         <p:spPr>
           <a:xfrm>
-            <a:off x="554182" y="4291362"/>
+            <a:off x="317962" y="4294017"/>
             <a:ext cx="4221480" cy="461665"/>
           </a:xfrm>
           <a:prstGeom prst="rect">
@@ -3837,7 +3842,7 @@
         </p:nvSpPr>
         <p:spPr>
           <a:xfrm>
-            <a:off x="554182" y="7063570"/>
+            <a:off x="317962" y="7066225"/>
             <a:ext cx="6065520" cy="830997"/>
           </a:xfrm>
           <a:prstGeom prst="rect">
@@ -3905,6 +3910,35 @@
           </a:p>
         </p:txBody>
       </p:sp>
+      <p:pic>
+        <p:nvPicPr>
+          <p:cNvPr id="6" name="図 5"/>
+          <p:cNvPicPr>
+            <a:picLocks noChangeAspect="1"/>
+          </p:cNvPicPr>
+          <p:nvPr/>
+        </p:nvPicPr>
+        <p:blipFill rotWithShape="1">
+          <a:blip r:embed="rId3" cstate="print">
+            <a:extLst>
+              <a:ext uri="{28A0092B-C50C-407E-A947-70E740481C1C}">
+                <a14:useLocalDpi xmlns:a14="http://schemas.microsoft.com/office/drawing/2010/main" val="0"/>
+              </a:ext>
+            </a:extLst>
+          </a:blip>
+          <a:srcRect l="58444" t="13172"/>
+          <a:stretch/>
+        </p:blipFill>
+        <p:spPr>
+          <a:xfrm>
+            <a:off x="4724400" y="1591004"/>
+            <a:ext cx="1912620" cy="2025547"/>
+          </a:xfrm>
+          <a:prstGeom prst="rect">
+            <a:avLst/>
+          </a:prstGeom>
+        </p:spPr>
+      </p:pic>
     </p:spTree>
     <p:extLst>
       <p:ext uri="{BB962C8B-B14F-4D97-AF65-F5344CB8AC3E}">

--- a/チーム近未来/ワンシート(3Dチーム制作).pptx
+++ b/チーム近未来/ワンシート(3Dチーム制作).pptx
@@ -243,7 +243,7 @@
           <a:p>
             <a:fld id="{4093B563-F6DE-4C0B-B773-A338408DBC7B}" type="datetimeFigureOut">
               <a:rPr kumimoji="1" lang="ja-JP" altLang="en-US" smtClean="0"/>
-              <a:t>2020/12/9</a:t>
+              <a:t>2020/12/14</a:t>
             </a:fld>
             <a:endParaRPr kumimoji="1" lang="ja-JP" altLang="en-US"/>
           </a:p>
@@ -445,7 +445,7 @@
           <a:p>
             <a:fld id="{4093B563-F6DE-4C0B-B773-A338408DBC7B}" type="datetimeFigureOut">
               <a:rPr kumimoji="1" lang="ja-JP" altLang="en-US" smtClean="0"/>
-              <a:t>2020/12/9</a:t>
+              <a:t>2020/12/14</a:t>
             </a:fld>
             <a:endParaRPr kumimoji="1" lang="ja-JP" altLang="en-US"/>
           </a:p>
@@ -657,7 +657,7 @@
           <a:p>
             <a:fld id="{4093B563-F6DE-4C0B-B773-A338408DBC7B}" type="datetimeFigureOut">
               <a:rPr kumimoji="1" lang="ja-JP" altLang="en-US" smtClean="0"/>
-              <a:t>2020/12/9</a:t>
+              <a:t>2020/12/14</a:t>
             </a:fld>
             <a:endParaRPr kumimoji="1" lang="ja-JP" altLang="en-US"/>
           </a:p>
@@ -859,7 +859,7 @@
           <a:p>
             <a:fld id="{4093B563-F6DE-4C0B-B773-A338408DBC7B}" type="datetimeFigureOut">
               <a:rPr kumimoji="1" lang="ja-JP" altLang="en-US" smtClean="0"/>
-              <a:t>2020/12/9</a:t>
+              <a:t>2020/12/14</a:t>
             </a:fld>
             <a:endParaRPr kumimoji="1" lang="ja-JP" altLang="en-US"/>
           </a:p>
@@ -1103,7 +1103,7 @@
           <a:p>
             <a:fld id="{4093B563-F6DE-4C0B-B773-A338408DBC7B}" type="datetimeFigureOut">
               <a:rPr kumimoji="1" lang="ja-JP" altLang="en-US" smtClean="0"/>
-              <a:t>2020/12/9</a:t>
+              <a:t>2020/12/14</a:t>
             </a:fld>
             <a:endParaRPr kumimoji="1" lang="ja-JP" altLang="en-US"/>
           </a:p>
@@ -1399,7 +1399,7 @@
           <a:p>
             <a:fld id="{4093B563-F6DE-4C0B-B773-A338408DBC7B}" type="datetimeFigureOut">
               <a:rPr kumimoji="1" lang="ja-JP" altLang="en-US" smtClean="0"/>
-              <a:t>2020/12/9</a:t>
+              <a:t>2020/12/14</a:t>
             </a:fld>
             <a:endParaRPr kumimoji="1" lang="ja-JP" altLang="en-US"/>
           </a:p>
@@ -1830,7 +1830,7 @@
           <a:p>
             <a:fld id="{4093B563-F6DE-4C0B-B773-A338408DBC7B}" type="datetimeFigureOut">
               <a:rPr kumimoji="1" lang="ja-JP" altLang="en-US" smtClean="0"/>
-              <a:t>2020/12/9</a:t>
+              <a:t>2020/12/14</a:t>
             </a:fld>
             <a:endParaRPr kumimoji="1" lang="ja-JP" altLang="en-US"/>
           </a:p>
@@ -1948,7 +1948,7 @@
           <a:p>
             <a:fld id="{4093B563-F6DE-4C0B-B773-A338408DBC7B}" type="datetimeFigureOut">
               <a:rPr kumimoji="1" lang="ja-JP" altLang="en-US" smtClean="0"/>
-              <a:t>2020/12/9</a:t>
+              <a:t>2020/12/14</a:t>
             </a:fld>
             <a:endParaRPr kumimoji="1" lang="ja-JP" altLang="en-US"/>
           </a:p>
@@ -2043,7 +2043,7 @@
           <a:p>
             <a:fld id="{4093B563-F6DE-4C0B-B773-A338408DBC7B}" type="datetimeFigureOut">
               <a:rPr kumimoji="1" lang="ja-JP" altLang="en-US" smtClean="0"/>
-              <a:t>2020/12/9</a:t>
+              <a:t>2020/12/14</a:t>
             </a:fld>
             <a:endParaRPr kumimoji="1" lang="ja-JP" altLang="en-US"/>
           </a:p>
@@ -2352,7 +2352,7 @@
           <a:p>
             <a:fld id="{4093B563-F6DE-4C0B-B773-A338408DBC7B}" type="datetimeFigureOut">
               <a:rPr kumimoji="1" lang="ja-JP" altLang="en-US" smtClean="0"/>
-              <a:t>2020/12/9</a:t>
+              <a:t>2020/12/14</a:t>
             </a:fld>
             <a:endParaRPr kumimoji="1" lang="ja-JP" altLang="en-US"/>
           </a:p>
@@ -2609,7 +2609,7 @@
           <a:p>
             <a:fld id="{4093B563-F6DE-4C0B-B773-A338408DBC7B}" type="datetimeFigureOut">
               <a:rPr kumimoji="1" lang="ja-JP" altLang="en-US" smtClean="0"/>
-              <a:t>2020/12/9</a:t>
+              <a:t>2020/12/14</a:t>
             </a:fld>
             <a:endParaRPr kumimoji="1" lang="ja-JP" altLang="en-US"/>
           </a:p>
@@ -2854,7 +2854,7 @@
           <a:p>
             <a:fld id="{4093B563-F6DE-4C0B-B773-A338408DBC7B}" type="datetimeFigureOut">
               <a:rPr kumimoji="1" lang="ja-JP" altLang="en-US" smtClean="0"/>
-              <a:t>2020/12/9</a:t>
+              <a:t>2020/12/14</a:t>
             </a:fld>
             <a:endParaRPr kumimoji="1" lang="ja-JP" altLang="en-US"/>
           </a:p>
@@ -3332,7 +3332,7 @@
         </p:blipFill>
         <p:spPr bwMode="auto">
           <a:xfrm>
-            <a:off x="554182" y="8218397"/>
+            <a:off x="498764" y="8339864"/>
             <a:ext cx="5960918" cy="3343703"/>
           </a:xfrm>
           <a:prstGeom prst="rect">
@@ -3358,7 +3358,7 @@
         </p:nvSpPr>
         <p:spPr>
           <a:xfrm>
-            <a:off x="317962" y="1869012"/>
+            <a:off x="317962" y="2225115"/>
             <a:ext cx="4221480" cy="461665"/>
           </a:xfrm>
           <a:prstGeom prst="rect">
@@ -3396,7 +3396,7 @@
         </p:nvSpPr>
         <p:spPr>
           <a:xfrm>
-            <a:off x="317962" y="1299626"/>
+            <a:off x="317962" y="1655729"/>
             <a:ext cx="4770120" cy="800219"/>
           </a:xfrm>
           <a:prstGeom prst="rect">
@@ -3505,7 +3505,7 @@
         </p:nvSpPr>
         <p:spPr>
           <a:xfrm>
-            <a:off x="317962" y="844359"/>
+            <a:off x="317962" y="1200462"/>
             <a:ext cx="4221480" cy="461665"/>
           </a:xfrm>
           <a:prstGeom prst="rect">
@@ -3543,7 +3543,7 @@
         </p:nvSpPr>
         <p:spPr>
           <a:xfrm>
-            <a:off x="317962" y="2351811"/>
+            <a:off x="317962" y="2707914"/>
             <a:ext cx="4770120" cy="523220"/>
           </a:xfrm>
           <a:prstGeom prst="rect">
@@ -3597,7 +3597,7 @@
         </p:nvSpPr>
         <p:spPr>
           <a:xfrm>
-            <a:off x="317962" y="2896165"/>
+            <a:off x="317962" y="3252268"/>
             <a:ext cx="4221480" cy="461665"/>
           </a:xfrm>
           <a:prstGeom prst="rect">
@@ -3635,7 +3635,7 @@
         </p:nvSpPr>
         <p:spPr>
           <a:xfrm>
-            <a:off x="317962" y="3378964"/>
+            <a:off x="317962" y="3735067"/>
             <a:ext cx="6217920" cy="954107"/>
           </a:xfrm>
           <a:prstGeom prst="rect">
@@ -3702,8 +3702,8 @@
         </p:nvSpPr>
         <p:spPr>
           <a:xfrm>
-            <a:off x="317962" y="4725499"/>
-            <a:ext cx="6050280" cy="2246769"/>
+            <a:off x="-134047" y="5552794"/>
+            <a:ext cx="7441977" cy="830997"/>
           </a:xfrm>
           <a:prstGeom prst="rect">
             <a:avLst/>
@@ -3716,84 +3716,25 @@
           </a:bodyPr>
           <a:lstStyle/>
           <a:p>
-            <a:r>
-              <a:rPr lang="ja-JP" altLang="en-US" sz="2800" b="1" dirty="0" smtClean="0">
+            <a:pPr algn="ctr"/>
+            <a:r>
+              <a:rPr lang="ja-JP" altLang="en-US" sz="4800" b="1" u="sng" dirty="0" smtClean="0">
+                <a:solidFill>
+                  <a:srgbClr val="FFFF00"/>
+                </a:solidFill>
                 <a:latin typeface="メイリオ" panose="020B0604030504040204" pitchFamily="50" charset="-128"/>
                 <a:ea typeface="メイリオ" panose="020B0604030504040204" pitchFamily="50" charset="-128"/>
               </a:rPr>
-              <a:t>①敵や武器の種類が豊富！</a:t>
-            </a:r>
-            <a:endParaRPr lang="en-US" altLang="ja-JP" sz="2800" b="1" dirty="0" smtClean="0">
+              <a:t>敵を倒すと自機が進化！</a:t>
+            </a:r>
+            <a:endParaRPr lang="en-US" altLang="ja-JP" sz="4800" b="1" u="sng" dirty="0" smtClean="0">
+              <a:solidFill>
+                <a:srgbClr val="FFFF00"/>
+              </a:solidFill>
               <a:latin typeface="メイリオ" panose="020B0604030504040204" pitchFamily="50" charset="-128"/>
               <a:ea typeface="メイリオ" panose="020B0604030504040204" pitchFamily="50" charset="-128"/>
             </a:endParaRPr>
           </a:p>
-          <a:p>
-            <a:r>
-              <a:rPr kumimoji="1" lang="ja-JP" altLang="en-US" sz="2800" b="1" dirty="0">
-                <a:latin typeface="メイリオ" panose="020B0604030504040204" pitchFamily="50" charset="-128"/>
-                <a:ea typeface="メイリオ" panose="020B0604030504040204" pitchFamily="50" charset="-128"/>
-              </a:rPr>
-              <a:t>　</a:t>
-            </a:r>
-            <a:r>
-              <a:rPr kumimoji="1" lang="ja-JP" altLang="en-US" sz="2800" b="1" dirty="0" smtClean="0">
-                <a:latin typeface="メイリオ" panose="020B0604030504040204" pitchFamily="50" charset="-128"/>
-                <a:ea typeface="メイリオ" panose="020B0604030504040204" pitchFamily="50" charset="-128"/>
-              </a:rPr>
-              <a:t>どれを使うかは君次第だ！</a:t>
-            </a:r>
-            <a:endParaRPr kumimoji="1" lang="en-US" altLang="ja-JP" sz="2800" b="1" dirty="0" smtClean="0">
-              <a:latin typeface="メイリオ" panose="020B0604030504040204" pitchFamily="50" charset="-128"/>
-              <a:ea typeface="メイリオ" panose="020B0604030504040204" pitchFamily="50" charset="-128"/>
-            </a:endParaRPr>
-          </a:p>
-          <a:p>
-            <a:r>
-              <a:rPr lang="ja-JP" altLang="en-US" sz="2800" b="1" dirty="0" smtClean="0">
-                <a:latin typeface="メイリオ" panose="020B0604030504040204" pitchFamily="50" charset="-128"/>
-                <a:ea typeface="メイリオ" panose="020B0604030504040204" pitchFamily="50" charset="-128"/>
-              </a:rPr>
-              <a:t>②敵を倒してエネルギーを溜めよう。</a:t>
-            </a:r>
-            <a:endParaRPr lang="en-US" altLang="ja-JP" sz="2800" b="1" dirty="0" smtClean="0">
-              <a:latin typeface="メイリオ" panose="020B0604030504040204" pitchFamily="50" charset="-128"/>
-              <a:ea typeface="メイリオ" panose="020B0604030504040204" pitchFamily="50" charset="-128"/>
-            </a:endParaRPr>
-          </a:p>
-          <a:p>
-            <a:r>
-              <a:rPr lang="ja-JP" altLang="en-US" sz="2800" b="1" dirty="0">
-                <a:latin typeface="メイリオ" panose="020B0604030504040204" pitchFamily="50" charset="-128"/>
-                <a:ea typeface="メイリオ" panose="020B0604030504040204" pitchFamily="50" charset="-128"/>
-              </a:rPr>
-              <a:t>　</a:t>
-            </a:r>
-            <a:r>
-              <a:rPr lang="ja-JP" altLang="en-US" sz="2800" b="1" dirty="0" smtClean="0">
-                <a:latin typeface="メイリオ" panose="020B0604030504040204" pitchFamily="50" charset="-128"/>
-                <a:ea typeface="メイリオ" panose="020B0604030504040204" pitchFamily="50" charset="-128"/>
-              </a:rPr>
-              <a:t>必殺技が使えるようになるぞ。</a:t>
-            </a:r>
-            <a:endParaRPr lang="en-US" altLang="ja-JP" sz="2800" b="1" dirty="0" smtClean="0">
-              <a:latin typeface="メイリオ" panose="020B0604030504040204" pitchFamily="50" charset="-128"/>
-              <a:ea typeface="メイリオ" panose="020B0604030504040204" pitchFamily="50" charset="-128"/>
-            </a:endParaRPr>
-          </a:p>
-          <a:p>
-            <a:r>
-              <a:rPr lang="ja-JP" altLang="en-US" sz="2800" b="1" dirty="0" smtClean="0">
-                <a:latin typeface="メイリオ" panose="020B0604030504040204" pitchFamily="50" charset="-128"/>
-                <a:ea typeface="メイリオ" panose="020B0604030504040204" pitchFamily="50" charset="-128"/>
-              </a:rPr>
-              <a:t>③アイテムで自機を強化できる。</a:t>
-            </a:r>
-            <a:endParaRPr lang="en-US" altLang="ja-JP" sz="2800" b="1" dirty="0" smtClean="0">
-              <a:latin typeface="メイリオ" panose="020B0604030504040204" pitchFamily="50" charset="-128"/>
-              <a:ea typeface="メイリオ" panose="020B0604030504040204" pitchFamily="50" charset="-128"/>
-            </a:endParaRPr>
-          </a:p>
         </p:txBody>
       </p:sp>
       <p:sp>
@@ -3804,7 +3745,7 @@
         </p:nvSpPr>
         <p:spPr>
           <a:xfrm>
-            <a:off x="317962" y="4294017"/>
+            <a:off x="317962" y="4650120"/>
             <a:ext cx="4221480" cy="461665"/>
           </a:xfrm>
           <a:prstGeom prst="rect">
@@ -3830,82 +3771,6 @@
               <a:solidFill>
                 <a:srgbClr val="FF0000"/>
               </a:solidFill>
-            </a:endParaRPr>
-          </a:p>
-        </p:txBody>
-      </p:sp>
-      <p:sp>
-        <p:nvSpPr>
-          <p:cNvPr id="8" name="テキスト ボックス 7"/>
-          <p:cNvSpPr txBox="1"/>
-          <p:nvPr/>
-        </p:nvSpPr>
-        <p:spPr>
-          <a:xfrm>
-            <a:off x="317962" y="7066225"/>
-            <a:ext cx="6065520" cy="830997"/>
-          </a:xfrm>
-          <a:prstGeom prst="rect">
-            <a:avLst/>
-          </a:prstGeom>
-          <a:noFill/>
-          <a:ln w="57150">
-            <a:solidFill>
-              <a:schemeClr val="tx1"/>
-            </a:solidFill>
-          </a:ln>
-        </p:spPr>
-        <p:txBody>
-          <a:bodyPr wrap="square" rtlCol="0">
-            <a:spAutoFit/>
-          </a:bodyPr>
-          <a:lstStyle/>
-          <a:p>
-            <a:r>
-              <a:rPr kumimoji="1" lang="ja-JP" altLang="en-US" sz="2400" dirty="0" smtClean="0">
-                <a:solidFill>
-                  <a:srgbClr val="FFFF00"/>
-                </a:solidFill>
-                <a:latin typeface="HGP明朝E" panose="02020900000000000000" pitchFamily="18" charset="-128"/>
-                <a:ea typeface="HGP明朝E" panose="02020900000000000000" pitchFamily="18" charset="-128"/>
-              </a:rPr>
-              <a:t>体力回復、攻撃力アップ、移動速度アップ、</a:t>
-            </a:r>
-            <a:endParaRPr kumimoji="1" lang="en-US" altLang="ja-JP" sz="2400" dirty="0" smtClean="0">
-              <a:solidFill>
-                <a:srgbClr val="FFFF00"/>
-              </a:solidFill>
-              <a:latin typeface="HGP明朝E" panose="02020900000000000000" pitchFamily="18" charset="-128"/>
-              <a:ea typeface="HGP明朝E" panose="02020900000000000000" pitchFamily="18" charset="-128"/>
-            </a:endParaRPr>
-          </a:p>
-          <a:p>
-            <a:r>
-              <a:rPr kumimoji="1" lang="ja-JP" altLang="en-US" sz="2400" dirty="0" smtClean="0">
-                <a:solidFill>
-                  <a:srgbClr val="FFFF00"/>
-                </a:solidFill>
-                <a:latin typeface="HGP明朝E" panose="02020900000000000000" pitchFamily="18" charset="-128"/>
-                <a:ea typeface="HGP明朝E" panose="02020900000000000000" pitchFamily="18" charset="-128"/>
-              </a:rPr>
-              <a:t>防御力アップ、エネルギー上昇</a:t>
-            </a:r>
-            <a:r>
-              <a:rPr kumimoji="1" lang="en-US" altLang="ja-JP" sz="2400" dirty="0" smtClean="0">
-                <a:solidFill>
-                  <a:srgbClr val="FFFF00"/>
-                </a:solidFill>
-                <a:latin typeface="HGP明朝E" panose="02020900000000000000" pitchFamily="18" charset="-128"/>
-                <a:ea typeface="HGP明朝E" panose="02020900000000000000" pitchFamily="18" charset="-128"/>
-              </a:rPr>
-              <a:t>…</a:t>
-            </a:r>
-            <a:endParaRPr kumimoji="1" lang="ja-JP" altLang="en-US" sz="2400" dirty="0">
-              <a:solidFill>
-                <a:srgbClr val="FFFF00"/>
-              </a:solidFill>
-              <a:latin typeface="HGP明朝E" panose="02020900000000000000" pitchFamily="18" charset="-128"/>
-              <a:ea typeface="HGP明朝E" panose="02020900000000000000" pitchFamily="18" charset="-128"/>
             </a:endParaRPr>
           </a:p>
         </p:txBody>
@@ -3931,7 +3796,7 @@
         </p:blipFill>
         <p:spPr>
           <a:xfrm>
-            <a:off x="4724400" y="1591004"/>
+            <a:off x="4724400" y="1947107"/>
             <a:ext cx="1912620" cy="2025547"/>
           </a:xfrm>
           <a:prstGeom prst="rect">
@@ -3939,6 +3804,45 @@
           </a:prstGeom>
         </p:spPr>
       </p:pic>
+      <p:sp>
+        <p:nvSpPr>
+          <p:cNvPr id="10" name="テキスト ボックス 9"/>
+          <p:cNvSpPr txBox="1"/>
+          <p:nvPr/>
+        </p:nvSpPr>
+        <p:spPr>
+          <a:xfrm>
+            <a:off x="50223" y="6560050"/>
+            <a:ext cx="6858000" cy="1077218"/>
+          </a:xfrm>
+          <a:prstGeom prst="rect">
+            <a:avLst/>
+          </a:prstGeom>
+          <a:noFill/>
+        </p:spPr>
+        <p:txBody>
+          <a:bodyPr wrap="square" rtlCol="0">
+            <a:spAutoFit/>
+          </a:bodyPr>
+          <a:lstStyle/>
+          <a:p>
+            <a:pPr algn="ctr"/>
+            <a:r>
+              <a:rPr kumimoji="1" lang="ja-JP" altLang="en-US" sz="3200" b="1" dirty="0" smtClean="0"/>
+              <a:t>敵を倒すことで見た目も強さも</a:t>
+            </a:r>
+            <a:endParaRPr kumimoji="1" lang="en-US" altLang="ja-JP" sz="3200" b="1" dirty="0" smtClean="0"/>
+          </a:p>
+          <a:p>
+            <a:pPr algn="ctr"/>
+            <a:r>
+              <a:rPr kumimoji="1" lang="ja-JP" altLang="en-US" sz="3200" b="1" dirty="0" smtClean="0"/>
+              <a:t>変わっていくゾ！！！</a:t>
+            </a:r>
+            <a:endParaRPr kumimoji="1" lang="ja-JP" altLang="en-US" sz="3200" b="1" dirty="0"/>
+          </a:p>
+        </p:txBody>
+      </p:sp>
     </p:spTree>
     <p:extLst>
       <p:ext uri="{BB962C8B-B14F-4D97-AF65-F5344CB8AC3E}">
@@ -3949,6 +3853,13 @@
   <p:clrMapOvr>
     <a:masterClrMapping/>
   </p:clrMapOvr>
+  <p:timing>
+    <p:tnLst>
+      <p:par>
+        <p:cTn id="1" dur="indefinite" restart="never" nodeType="tmRoot"/>
+      </p:par>
+    </p:tnLst>
+  </p:timing>
 </p:sld>
 </file>
 
